--- a/NQueen.pptx
+++ b/NQueen.pptx
@@ -13,9 +13,9 @@
     <p:sldId id="265" r:id="rId4"/>
     <p:sldId id="266" r:id="rId5"/>
     <p:sldId id="267" r:id="rId6"/>
-    <p:sldId id="256" r:id="rId7"/>
-    <p:sldId id="269" r:id="rId8"/>
-    <p:sldId id="268" r:id="rId9"/>
+    <p:sldId id="269" r:id="rId7"/>
+    <p:sldId id="268" r:id="rId8"/>
+    <p:sldId id="270" r:id="rId9"/>
   </p:sldIdLst>
   <p:sldSz cx="12192000" cy="6858000"/>
   <p:notesSz cx="6858000" cy="9144000"/>
@@ -114,277 +114,12 @@
       </a:defRPr>
     </a:lvl9pPr>
   </p:defaultTextStyle>
+  <p:extLst>
+    <p:ext uri="{EFAFB233-063F-42B5-8137-9DF3F51BA10A}">
+      <p15:sldGuideLst xmlns:p15="http://schemas.microsoft.com/office/powerpoint/2012/main"/>
+    </p:ext>
+  </p:extLst>
 </p:presentation>
-</file>
-
-<file path=ppt/charts/chart1.xml><?xml version="1.0" encoding="utf-8"?>
-<c:chartSpace xmlns:c="http://schemas.openxmlformats.org/drawingml/2006/chart" xmlns:a="http://schemas.openxmlformats.org/drawingml/2006/main" xmlns:r="http://schemas.openxmlformats.org/officeDocument/2006/relationships" xmlns:c16r2="http://schemas.microsoft.com/office/drawing/2015/06/chart">
-  <c:date1904 val="0"/>
-  <c:lang val="en-US"/>
-  <c:roundedCorners val="1"/>
-  <c:style val="2"/>
-  <c:chart>
-    <c:autoTitleDeleted val="1"/>
-    <c:plotArea>
-      <c:layout/>
-      <c:doughnutChart>
-        <c:varyColors val="1"/>
-        <c:ser>
-          <c:idx val="0"/>
-          <c:order val="0"/>
-          <c:tx>
-            <c:strRef>
-              <c:f>Sheet1!$B$1</c:f>
-              <c:strCache>
-                <c:ptCount val="1"/>
-              </c:strCache>
-            </c:strRef>
-          </c:tx>
-          <c:spPr>
-            <a:solidFill>
-              <a:schemeClr val="accent1"/>
-            </a:solidFill>
-            <a:ln w="9525" cap="flat">
-              <a:solidFill>
-                <a:srgbClr val="F9F9F9"/>
-              </a:solidFill>
-              <a:prstDash val="solid"/>
-              <a:round/>
-            </a:ln>
-            <a:effectLst/>
-          </c:spPr>
-          <c:dPt>
-            <c:idx val="0"/>
-            <c:bubble3D val="0"/>
-            <c:spPr>
-              <a:solidFill>
-                <a:srgbClr val="AFA5A0"/>
-              </a:solidFill>
-              <a:effectLst/>
-            </c:spPr>
-            <c:extLst>
-              <c:ext xmlns:c16="http://schemas.microsoft.com/office/drawing/2014/chart" uri="{C3380CC4-5D6E-409C-BE32-E72D297353CC}">
-                <c16:uniqueId val="{00000001-418C-4E3C-8B6A-5949C666FADC}"/>
-              </c:ext>
-            </c:extLst>
-          </c:dPt>
-          <c:dPt>
-            <c:idx val="1"/>
-            <c:bubble3D val="0"/>
-            <c:spPr>
-              <a:solidFill>
-                <a:srgbClr val="F0F0F0"/>
-              </a:solidFill>
-              <a:effectLst/>
-            </c:spPr>
-            <c:extLst>
-              <c:ext xmlns:c16="http://schemas.microsoft.com/office/drawing/2014/chart" uri="{C3380CC4-5D6E-409C-BE32-E72D297353CC}">
-                <c16:uniqueId val="{00000003-418C-4E3C-8B6A-5949C666FADC}"/>
-              </c:ext>
-            </c:extLst>
-          </c:dPt>
-          <c:cat>
-            <c:strRef>
-              <c:f>Sheet1!$A$2:$A$3</c:f>
-              <c:strCache>
-                <c:ptCount val="2"/>
-                <c:pt idx="0">
-                  <c:v>Backtracking Algorithm</c:v>
-                </c:pt>
-              </c:strCache>
-            </c:strRef>
-          </c:cat>
-          <c:val>
-            <c:numRef>
-              <c:f>Sheet1!$B$2:$B$3</c:f>
-              <c:numCache>
-                <c:formatCode>General</c:formatCode>
-                <c:ptCount val="2"/>
-                <c:pt idx="0">
-                  <c:v>0.5</c:v>
-                </c:pt>
-                <c:pt idx="1">
-                  <c:v>0.5</c:v>
-                </c:pt>
-              </c:numCache>
-            </c:numRef>
-          </c:val>
-          <c:extLst>
-            <c:ext xmlns:c16="http://schemas.microsoft.com/office/drawing/2014/chart" uri="{C3380CC4-5D6E-409C-BE32-E72D297353CC}">
-              <c16:uniqueId val="{00000004-418C-4E3C-8B6A-5949C666FADC}"/>
-            </c:ext>
-          </c:extLst>
-        </c:ser>
-        <c:dLbls>
-          <c:showLegendKey val="0"/>
-          <c:showVal val="0"/>
-          <c:showCatName val="0"/>
-          <c:showSerName val="0"/>
-          <c:showPercent val="0"/>
-          <c:showBubbleSize val="0"/>
-          <c:showLeaderLines val="0"/>
-        </c:dLbls>
-        <c:firstSliceAng val="0"/>
-        <c:holeSize val="90"/>
-      </c:doughnutChart>
-      <c:spPr>
-        <a:noFill/>
-        <a:ln>
-          <a:noFill/>
-        </a:ln>
-        <a:effectLst/>
-      </c:spPr>
-    </c:plotArea>
-    <c:plotVisOnly val="1"/>
-    <c:dispBlanksAs val="span"/>
-    <c:showDLblsOverMax val="1"/>
-  </c:chart>
-  <c:spPr>
-    <a:noFill/>
-    <a:ln>
-      <a:noFill/>
-    </a:ln>
-    <a:effectLst/>
-  </c:spPr>
-  <c:externalData r:id="rId1">
-    <c:autoUpdate val="0"/>
-  </c:externalData>
-</c:chartSpace>
-</file>
-
-<file path=ppt/charts/chart2.xml><?xml version="1.0" encoding="utf-8"?>
-<c:chartSpace xmlns:c="http://schemas.openxmlformats.org/drawingml/2006/chart" xmlns:a="http://schemas.openxmlformats.org/drawingml/2006/main" xmlns:r="http://schemas.openxmlformats.org/officeDocument/2006/relationships" xmlns:c16r2="http://schemas.microsoft.com/office/drawing/2015/06/chart">
-  <c:date1904 val="0"/>
-  <c:lang val="en-US"/>
-  <c:roundedCorners val="1"/>
-  <c:style val="2"/>
-  <c:chart>
-    <c:autoTitleDeleted val="1"/>
-    <c:plotArea>
-      <c:layout/>
-      <c:doughnutChart>
-        <c:varyColors val="1"/>
-        <c:ser>
-          <c:idx val="0"/>
-          <c:order val="0"/>
-          <c:tx>
-            <c:strRef>
-              <c:f>Sheet1!$B$1</c:f>
-              <c:strCache>
-                <c:ptCount val="1"/>
-              </c:strCache>
-            </c:strRef>
-          </c:tx>
-          <c:spPr>
-            <a:solidFill>
-              <a:schemeClr val="accent1"/>
-            </a:solidFill>
-            <a:ln w="9525" cap="flat">
-              <a:solidFill>
-                <a:srgbClr val="F9F9F9"/>
-              </a:solidFill>
-              <a:prstDash val="solid"/>
-              <a:round/>
-            </a:ln>
-            <a:effectLst/>
-          </c:spPr>
-          <c:dPt>
-            <c:idx val="0"/>
-            <c:bubble3D val="0"/>
-            <c:spPr>
-              <a:solidFill>
-                <a:srgbClr val="AFA5A0"/>
-              </a:solidFill>
-              <a:effectLst/>
-            </c:spPr>
-            <c:extLst>
-              <c:ext xmlns:c16="http://schemas.microsoft.com/office/drawing/2014/chart" uri="{C3380CC4-5D6E-409C-BE32-E72D297353CC}">
-                <c16:uniqueId val="{00000001-7AE4-486F-B4B4-E7B2F4B3ACE7}"/>
-              </c:ext>
-            </c:extLst>
-          </c:dPt>
-          <c:dPt>
-            <c:idx val="1"/>
-            <c:bubble3D val="0"/>
-            <c:spPr>
-              <a:solidFill>
-                <a:srgbClr val="F0F0F0"/>
-              </a:solidFill>
-              <a:effectLst/>
-            </c:spPr>
-            <c:extLst>
-              <c:ext xmlns:c16="http://schemas.microsoft.com/office/drawing/2014/chart" uri="{C3380CC4-5D6E-409C-BE32-E72D297353CC}">
-                <c16:uniqueId val="{00000003-7AE4-486F-B4B4-E7B2F4B3ACE7}"/>
-              </c:ext>
-            </c:extLst>
-          </c:dPt>
-          <c:cat>
-            <c:strRef>
-              <c:f>Sheet1!$A$2:$A$3</c:f>
-              <c:strCache>
-                <c:ptCount val="2"/>
-                <c:pt idx="0">
-                  <c:v>Brute Force Algorithm</c:v>
-                </c:pt>
-              </c:strCache>
-            </c:strRef>
-          </c:cat>
-          <c:val>
-            <c:numRef>
-              <c:f>Sheet1!$B$2:$B$3</c:f>
-              <c:numCache>
-                <c:formatCode>General</c:formatCode>
-                <c:ptCount val="2"/>
-                <c:pt idx="0">
-                  <c:v>0.3</c:v>
-                </c:pt>
-                <c:pt idx="1">
-                  <c:v>0.7</c:v>
-                </c:pt>
-              </c:numCache>
-            </c:numRef>
-          </c:val>
-          <c:extLst>
-            <c:ext xmlns:c16="http://schemas.microsoft.com/office/drawing/2014/chart" uri="{C3380CC4-5D6E-409C-BE32-E72D297353CC}">
-              <c16:uniqueId val="{00000004-7AE4-486F-B4B4-E7B2F4B3ACE7}"/>
-            </c:ext>
-          </c:extLst>
-        </c:ser>
-        <c:dLbls>
-          <c:showLegendKey val="0"/>
-          <c:showVal val="0"/>
-          <c:showCatName val="0"/>
-          <c:showSerName val="0"/>
-          <c:showPercent val="0"/>
-          <c:showBubbleSize val="0"/>
-          <c:showLeaderLines val="0"/>
-        </c:dLbls>
-        <c:firstSliceAng val="0"/>
-        <c:holeSize val="90"/>
-      </c:doughnutChart>
-      <c:spPr>
-        <a:noFill/>
-        <a:ln>
-          <a:noFill/>
-        </a:ln>
-        <a:effectLst/>
-      </c:spPr>
-    </c:plotArea>
-    <c:plotVisOnly val="1"/>
-    <c:dispBlanksAs val="span"/>
-    <c:showDLblsOverMax val="1"/>
-  </c:chart>
-  <c:spPr>
-    <a:noFill/>
-    <a:ln>
-      <a:noFill/>
-    </a:ln>
-    <a:effectLst/>
-  </c:spPr>
-  <c:externalData r:id="rId1">
-    <c:autoUpdate val="0"/>
-  </c:externalData>
-</c:chartSpace>
 </file>
 
 <file path=ppt/notesMasters/notesMaster1.xml><?xml version="1.0" encoding="utf-8"?>
@@ -469,7 +204,7 @@
           <a:p>
             <a:fld id="{D0C9D0DE-7860-4651-86BD-111EC6ED562A}" type="datetimeFigureOut">
               <a:rPr lang="en-IN" smtClean="0"/>
-              <a:t>11-07-2024</a:t>
+              <a:t>12-07-2024</a:t>
             </a:fld>
             <a:endParaRPr lang="en-IN"/>
           </a:p>
@@ -821,90 +556,6 @@
 </p:notes>
 </file>
 
-<file path=ppt/notesSlides/notesSlide2.xml><?xml version="1.0" encoding="utf-8"?>
-<p:notes xmlns:a="http://schemas.openxmlformats.org/drawingml/2006/main" xmlns:r="http://schemas.openxmlformats.org/officeDocument/2006/relationships" xmlns:p="http://schemas.openxmlformats.org/presentationml/2006/main">
-  <p:cSld>
-    <p:spTree>
-      <p:nvGrpSpPr>
-        <p:cNvPr id="1" name=""/>
-        <p:cNvGrpSpPr/>
-        <p:nvPr/>
-      </p:nvGrpSpPr>
-      <p:grpSpPr>
-        <a:xfrm>
-          <a:off x="0" y="0"/>
-          <a:ext cx="0" cy="0"/>
-          <a:chOff x="0" y="0"/>
-          <a:chExt cx="0" cy="0"/>
-        </a:xfrm>
-      </p:grpSpPr>
-      <p:sp>
-        <p:nvSpPr>
-          <p:cNvPr id="2" name="Slide Image Placeholder 1"/>
-          <p:cNvSpPr>
-            <a:spLocks noGrp="1" noRot="1" noChangeAspect="1"/>
-          </p:cNvSpPr>
-          <p:nvPr>
-            <p:ph type="sldImg"/>
-          </p:nvPr>
-        </p:nvSpPr>
-        <p:spPr/>
-      </p:sp>
-      <p:sp>
-        <p:nvSpPr>
-          <p:cNvPr id="3" name="Notes Placeholder 2"/>
-          <p:cNvSpPr>
-            <a:spLocks noGrp="1"/>
-          </p:cNvSpPr>
-          <p:nvPr>
-            <p:ph type="body" idx="1"/>
-          </p:nvPr>
-        </p:nvSpPr>
-        <p:spPr/>
-        <p:txBody>
-          <a:bodyPr/>
-          <a:lstStyle/>
-          <a:p>
-            <a:endParaRPr lang="en-US" dirty="0"/>
-          </a:p>
-        </p:txBody>
-      </p:sp>
-      <p:sp>
-        <p:nvSpPr>
-          <p:cNvPr id="4" name="Slide Number Placeholder 3"/>
-          <p:cNvSpPr>
-            <a:spLocks noGrp="1"/>
-          </p:cNvSpPr>
-          <p:nvPr>
-            <p:ph type="sldNum" sz="quarter" idx="10"/>
-          </p:nvPr>
-        </p:nvSpPr>
-        <p:spPr/>
-        <p:txBody>
-          <a:bodyPr/>
-          <a:lstStyle/>
-          <a:p>
-            <a:fld id="{F7021451-1387-4CA6-816F-3879F97B5CBC}" type="slidenum">
-              <a:rPr lang="en-US"/>
-              <a:t>6</a:t>
-            </a:fld>
-            <a:endParaRPr lang="en-US"/>
-          </a:p>
-        </p:txBody>
-      </p:sp>
-    </p:spTree>
-    <p:extLst>
-      <p:ext uri="{BB962C8B-B14F-4D97-AF65-F5344CB8AC3E}">
-        <p14:creationId xmlns:p14="http://schemas.microsoft.com/office/powerpoint/2010/main" val="1024086991"/>
-      </p:ext>
-    </p:extLst>
-  </p:cSld>
-  <p:clrMapOvr>
-    <a:masterClrMapping/>
-  </p:clrMapOvr>
-</p:notes>
-</file>
-
 <file path=ppt/slideLayouts/slideLayout1.xml><?xml version="1.0" encoding="utf-8"?>
 <p:sldLayout xmlns:a="http://schemas.openxmlformats.org/drawingml/2006/main" xmlns:r="http://schemas.openxmlformats.org/officeDocument/2006/relationships" xmlns:p="http://schemas.openxmlformats.org/presentationml/2006/main" type="title" preserve="1">
   <p:cSld name="Title Slide">
@@ -1054,7 +705,7 @@
           <a:p>
             <a:fld id="{E833C049-93F1-4FA6-899D-D62C92C2AF1D}" type="datetimeFigureOut">
               <a:rPr lang="en-IN" smtClean="0"/>
-              <a:t>11-07-2024</a:t>
+              <a:t>12-07-2024</a:t>
             </a:fld>
             <a:endParaRPr lang="en-IN"/>
           </a:p>
@@ -1254,7 +905,7 @@
           <a:p>
             <a:fld id="{E833C049-93F1-4FA6-899D-D62C92C2AF1D}" type="datetimeFigureOut">
               <a:rPr lang="en-IN" smtClean="0"/>
-              <a:t>11-07-2024</a:t>
+              <a:t>12-07-2024</a:t>
             </a:fld>
             <a:endParaRPr lang="en-IN"/>
           </a:p>
@@ -1464,7 +1115,7 @@
           <a:p>
             <a:fld id="{E833C049-93F1-4FA6-899D-D62C92C2AF1D}" type="datetimeFigureOut">
               <a:rPr lang="en-IN" smtClean="0"/>
-              <a:t>11-07-2024</a:t>
+              <a:t>12-07-2024</a:t>
             </a:fld>
             <a:endParaRPr lang="en-IN"/>
           </a:p>
@@ -6233,7 +5884,7 @@
           <a:p>
             <a:fld id="{E833C049-93F1-4FA6-899D-D62C92C2AF1D}" type="datetimeFigureOut">
               <a:rPr lang="en-IN" smtClean="0"/>
-              <a:t>11-07-2024</a:t>
+              <a:t>12-07-2024</a:t>
             </a:fld>
             <a:endParaRPr lang="en-IN"/>
           </a:p>
@@ -7574,7 +7225,7 @@
           <a:p>
             <a:fld id="{E833C049-93F1-4FA6-899D-D62C92C2AF1D}" type="datetimeFigureOut">
               <a:rPr lang="en-IN" smtClean="0"/>
-              <a:t>11-07-2024</a:t>
+              <a:t>12-07-2024</a:t>
             </a:fld>
             <a:endParaRPr lang="en-IN"/>
           </a:p>
@@ -7842,7 +7493,7 @@
           <a:p>
             <a:fld id="{E833C049-93F1-4FA6-899D-D62C92C2AF1D}" type="datetimeFigureOut">
               <a:rPr lang="en-IN" smtClean="0"/>
-              <a:t>11-07-2024</a:t>
+              <a:t>12-07-2024</a:t>
             </a:fld>
             <a:endParaRPr lang="en-IN"/>
           </a:p>
@@ -8257,7 +7908,7 @@
           <a:p>
             <a:fld id="{E833C049-93F1-4FA6-899D-D62C92C2AF1D}" type="datetimeFigureOut">
               <a:rPr lang="en-IN" smtClean="0"/>
-              <a:t>11-07-2024</a:t>
+              <a:t>12-07-2024</a:t>
             </a:fld>
             <a:endParaRPr lang="en-IN"/>
           </a:p>
@@ -8399,7 +8050,7 @@
           <a:p>
             <a:fld id="{E833C049-93F1-4FA6-899D-D62C92C2AF1D}" type="datetimeFigureOut">
               <a:rPr lang="en-IN" smtClean="0"/>
-              <a:t>11-07-2024</a:t>
+              <a:t>12-07-2024</a:t>
             </a:fld>
             <a:endParaRPr lang="en-IN"/>
           </a:p>
@@ -8512,7 +8163,7 @@
           <a:p>
             <a:fld id="{E833C049-93F1-4FA6-899D-D62C92C2AF1D}" type="datetimeFigureOut">
               <a:rPr lang="en-IN" smtClean="0"/>
-              <a:t>11-07-2024</a:t>
+              <a:t>12-07-2024</a:t>
             </a:fld>
             <a:endParaRPr lang="en-IN"/>
           </a:p>
@@ -8825,7 +8476,7 @@
           <a:p>
             <a:fld id="{E833C049-93F1-4FA6-899D-D62C92C2AF1D}" type="datetimeFigureOut">
               <a:rPr lang="en-IN" smtClean="0"/>
-              <a:t>11-07-2024</a:t>
+              <a:t>12-07-2024</a:t>
             </a:fld>
             <a:endParaRPr lang="en-IN"/>
           </a:p>
@@ -9114,7 +8765,7 @@
           <a:p>
             <a:fld id="{E833C049-93F1-4FA6-899D-D62C92C2AF1D}" type="datetimeFigureOut">
               <a:rPr lang="en-IN" smtClean="0"/>
-              <a:t>11-07-2024</a:t>
+              <a:t>12-07-2024</a:t>
             </a:fld>
             <a:endParaRPr lang="en-IN"/>
           </a:p>
@@ -9357,7 +9008,7 @@
           <a:p>
             <a:fld id="{E833C049-93F1-4FA6-899D-D62C92C2AF1D}" type="datetimeFigureOut">
               <a:rPr lang="en-IN" smtClean="0"/>
-              <a:t>11-07-2024</a:t>
+              <a:t>12-07-2024</a:t>
             </a:fld>
             <a:endParaRPr lang="en-IN"/>
           </a:p>
@@ -9925,7 +9576,7 @@
           <a:p>
             <a:fld id="{560812C0-D4F0-C345-96B4-1E8B918506AC}" type="datetimeFigureOut">
               <a:rPr lang="en-US" smtClean="0"/>
-              <a:t>7/11/2024</a:t>
+              <a:t>7/12/2024</a:t>
             </a:fld>
             <a:endParaRPr lang="en-US"/>
           </a:p>
@@ -10438,10 +10089,10 @@
       </p:sp>
       <p:pic>
         <p:nvPicPr>
-          <p:cNvPr id="3" name="Picture Placeholder 2">
-            <a:extLst>
-              <a:ext uri="{FF2B5EF4-FFF2-40B4-BE49-F238E27FC236}">
-                <a16:creationId xmlns:a16="http://schemas.microsoft.com/office/drawing/2014/main" id="{1EC2C574-1227-1F18-123E-0874592C2149}"/>
+          <p:cNvPr id="9" name="Picture Placeholder 8" descr="A chess board with pieces on it&#10;&#10;Description automatically generated">
+            <a:extLst>
+              <a:ext uri="{FF2B5EF4-FFF2-40B4-BE49-F238E27FC236}">
+                <a16:creationId xmlns:a16="http://schemas.microsoft.com/office/drawing/2014/main" id="{009AC2A9-9BEB-F35B-C049-0331889C6AC9}"/>
               </a:ext>
             </a:extLst>
           </p:cNvPr>
@@ -10453,8 +10104,14 @@
           </p:nvPr>
         </p:nvPicPr>
         <p:blipFill>
-          <a:blip r:embed="rId2"/>
-          <a:srcRect/>
+          <a:blip r:embed="rId2">
+            <a:extLst>
+              <a:ext uri="{28A0092B-C50C-407E-A947-70E740481C1C}">
+                <a14:useLocalDpi xmlns:a14="http://schemas.microsoft.com/office/drawing/2010/main" val="0"/>
+              </a:ext>
+            </a:extLst>
+          </a:blip>
+          <a:srcRect l="22650" r="22650"/>
           <a:stretch>
             <a:fillRect/>
           </a:stretch>
@@ -10633,16 +10290,21 @@
             <p:ph type="title"/>
           </p:nvPr>
         </p:nvSpPr>
-        <p:spPr/>
+        <p:spPr>
+          <a:xfrm>
+            <a:off x="574013" y="879589"/>
+            <a:ext cx="6678385" cy="1325563"/>
+          </a:xfrm>
+        </p:spPr>
         <p:txBody>
           <a:bodyPr/>
           <a:lstStyle/>
           <a:p>
             <a:r>
-              <a:rPr lang="en-US"/>
+              <a:rPr lang="en-US" dirty="0"/>
               <a:t>Approaches to Solve N Queen Problem</a:t>
             </a:r>
-            <a:endParaRPr lang="en-IN"/>
+            <a:endParaRPr lang="en-IN" dirty="0"/>
           </a:p>
         </p:txBody>
       </p:sp>
@@ -10664,7 +10326,7 @@
         </p:nvSpPr>
         <p:spPr>
           <a:xfrm>
-            <a:off x="1066799" y="2971800"/>
+            <a:off x="574013" y="2827903"/>
             <a:ext cx="5310852" cy="743178"/>
           </a:xfrm>
         </p:spPr>
@@ -10697,7 +10359,7 @@
         </p:nvSpPr>
         <p:spPr>
           <a:xfrm>
-            <a:off x="1066799" y="3886200"/>
+            <a:off x="574013" y="3810000"/>
             <a:ext cx="5692815" cy="2057400"/>
           </a:xfrm>
         </p:spPr>
@@ -10713,12 +10375,40 @@
           </a:p>
         </p:txBody>
       </p:sp>
+      <p:sp>
+        <p:nvSpPr>
+          <p:cNvPr id="6" name="Text Placeholder 5">
+            <a:extLst>
+              <a:ext uri="{FF2B5EF4-FFF2-40B4-BE49-F238E27FC236}">
+                <a16:creationId xmlns:a16="http://schemas.microsoft.com/office/drawing/2014/main" id="{AC785115-6AFE-B7B6-807A-E98BC63969E7}"/>
+              </a:ext>
+            </a:extLst>
+          </p:cNvPr>
+          <p:cNvSpPr>
+            <a:spLocks noGrp="1"/>
+          </p:cNvSpPr>
+          <p:nvPr>
+            <p:ph type="body" sz="quarter" idx="20"/>
+          </p:nvPr>
+        </p:nvSpPr>
+        <p:spPr/>
+        <p:txBody>
+          <a:bodyPr/>
+          <a:lstStyle/>
+          <a:p>
+            <a:r>
+              <a:rPr lang="en-IN"/>
+              <a:t>Photos provided by Unsplash</a:t>
+            </a:r>
+          </a:p>
+        </p:txBody>
+      </p:sp>
       <p:pic>
         <p:nvPicPr>
-          <p:cNvPr id="7" name="Picture Placeholder 6">
-            <a:extLst>
-              <a:ext uri="{FF2B5EF4-FFF2-40B4-BE49-F238E27FC236}">
-                <a16:creationId xmlns:a16="http://schemas.microsoft.com/office/drawing/2014/main" id="{570DD3BB-4574-5F8C-BF37-DE65AED8C0E5}"/>
+          <p:cNvPr id="10" name="Picture Placeholder 9" descr="A digital brain and lines&#10;&#10;Description automatically generated with medium confidence">
+            <a:extLst>
+              <a:ext uri="{FF2B5EF4-FFF2-40B4-BE49-F238E27FC236}">
+                <a16:creationId xmlns:a16="http://schemas.microsoft.com/office/drawing/2014/main" id="{D2290AC1-7B9E-1E61-4FAD-CD897AD32E82}"/>
               </a:ext>
             </a:extLst>
           </p:cNvPr>
@@ -10729,43 +10419,24 @@
             <p:ph type="pic" sz="quarter" idx="19"/>
           </p:nvPr>
         </p:nvPicPr>
-        <p:blipFill>
-          <a:blip r:embed="rId2"/>
-          <a:srcRect l="6296" r="6296"/>
-          <a:stretch>
-            <a:fillRect/>
-          </a:stretch>
+        <p:blipFill rotWithShape="1">
+          <a:blip r:embed="rId2">
+            <a:extLst>
+              <a:ext uri="{28A0092B-C50C-407E-A947-70E740481C1C}">
+                <a14:useLocalDpi xmlns:a14="http://schemas.microsoft.com/office/drawing/2010/main" val="0"/>
+              </a:ext>
+            </a:extLst>
+          </a:blip>
+          <a:srcRect l="833" t="8826" r="833"/>
+          <a:stretch/>
         </p:blipFill>
-        <p:spPr/>
+        <p:spPr>
+          <a:xfrm>
+            <a:off x="7252397" y="-1"/>
+            <a:ext cx="4939603" cy="6858001"/>
+          </a:xfrm>
+        </p:spPr>
       </p:pic>
-      <p:sp>
-        <p:nvSpPr>
-          <p:cNvPr id="6" name="Text Placeholder 5">
-            <a:extLst>
-              <a:ext uri="{FF2B5EF4-FFF2-40B4-BE49-F238E27FC236}">
-                <a16:creationId xmlns:a16="http://schemas.microsoft.com/office/drawing/2014/main" id="{AC785115-6AFE-B7B6-807A-E98BC63969E7}"/>
-              </a:ext>
-            </a:extLst>
-          </p:cNvPr>
-          <p:cNvSpPr>
-            <a:spLocks noGrp="1"/>
-          </p:cNvSpPr>
-          <p:nvPr>
-            <p:ph type="body" sz="quarter" idx="20"/>
-          </p:nvPr>
-        </p:nvSpPr>
-        <p:spPr/>
-        <p:txBody>
-          <a:bodyPr/>
-          <a:lstStyle/>
-          <a:p>
-            <a:r>
-              <a:rPr lang="en-IN"/>
-              <a:t>Photos provided by Unsplash</a:t>
-            </a:r>
-          </a:p>
-        </p:txBody>
-      </p:sp>
     </p:spTree>
     <p:extLst>
       <p:ext uri="{BB962C8B-B14F-4D97-AF65-F5344CB8AC3E}">
@@ -10812,16 +10483,21 @@
             <p:ph type="title"/>
           </p:nvPr>
         </p:nvSpPr>
-        <p:spPr/>
+        <p:spPr>
+          <a:xfrm>
+            <a:off x="5337629" y="725185"/>
+            <a:ext cx="6854371" cy="1325563"/>
+          </a:xfrm>
+        </p:spPr>
         <p:txBody>
           <a:bodyPr/>
           <a:lstStyle/>
           <a:p>
             <a:r>
-              <a:rPr lang="en-US"/>
+              <a:rPr lang="en-US" dirty="0"/>
               <a:t>Visualization of N Queen Solutions</a:t>
             </a:r>
-            <a:endParaRPr lang="en-IN"/>
+            <a:endParaRPr lang="en-IN" dirty="0"/>
           </a:p>
         </p:txBody>
       </p:sp>
@@ -10843,7 +10519,7 @@
         </p:nvSpPr>
         <p:spPr>
           <a:xfrm>
-            <a:off x="4499428" y="2779372"/>
+            <a:off x="5337629" y="2699945"/>
             <a:ext cx="4031114" cy="743178"/>
           </a:xfrm>
         </p:spPr>
@@ -10876,7 +10552,7 @@
         </p:nvSpPr>
         <p:spPr>
           <a:xfrm>
-            <a:off x="4499428" y="3707039"/>
+            <a:off x="5337629" y="3738165"/>
             <a:ext cx="4945514" cy="2138175"/>
           </a:xfrm>
         </p:spPr>
@@ -10936,7 +10612,7 @@
             <p:ph type="pic" sz="quarter" idx="19"/>
           </p:nvPr>
         </p:nvPicPr>
-        <p:blipFill>
+        <p:blipFill rotWithShape="1">
           <a:blip r:embed="rId2">
             <a:extLst>
               <a:ext uri="{28A0092B-C50C-407E-A947-70E740481C1C}">
@@ -10944,12 +10620,15 @@
               </a:ext>
             </a:extLst>
           </a:blip>
-          <a:srcRect l="2378" r="2378"/>
-          <a:stretch>
-            <a:fillRect/>
-          </a:stretch>
+          <a:srcRect l="2378" t="11950" r="2378"/>
+          <a:stretch/>
         </p:blipFill>
-        <p:spPr/>
+        <p:spPr>
+          <a:xfrm>
+            <a:off x="0" y="0"/>
+            <a:ext cx="4945514" cy="6858000"/>
+          </a:xfrm>
+        </p:spPr>
       </p:pic>
     </p:spTree>
     <p:extLst>
@@ -10983,442 +10662,35 @@
       </p:grpSpPr>
       <p:graphicFrame>
         <p:nvGraphicFramePr>
-          <p:cNvPr id="2" name="Chart 0"/>
-          <p:cNvGraphicFramePr/>
-          <p:nvPr>
-            <p:extLst>
-              <p:ext uri="{D42A27DB-BD31-4B8C-83A1-F6EECF244321}">
-                <p14:modId xmlns:p14="http://schemas.microsoft.com/office/powerpoint/2010/main" val="2530979495"/>
-              </p:ext>
-            </p:extLst>
-          </p:nvPr>
-        </p:nvGraphicFramePr>
-        <p:xfrm>
-          <a:off x="5219700" y="1917700"/>
-          <a:ext cx="1816100" cy="1816100"/>
-        </p:xfrm>
-        <a:graphic>
-          <a:graphicData uri="http://schemas.openxmlformats.org/drawingml/2006/chart">
-            <c:chart xmlns:c="http://schemas.openxmlformats.org/drawingml/2006/chart" xmlns:r="http://schemas.openxmlformats.org/officeDocument/2006/relationships" r:id="rId3"/>
-          </a:graphicData>
-        </a:graphic>
-      </p:graphicFrame>
-      <p:graphicFrame>
-        <p:nvGraphicFramePr>
-          <p:cNvPr id="3" name="Chart 1"/>
-          <p:cNvGraphicFramePr/>
-          <p:nvPr>
-            <p:extLst>
-              <p:ext uri="{D42A27DB-BD31-4B8C-83A1-F6EECF244321}">
-                <p14:modId xmlns:p14="http://schemas.microsoft.com/office/powerpoint/2010/main" val="2746078311"/>
-              </p:ext>
-            </p:extLst>
-          </p:nvPr>
-        </p:nvGraphicFramePr>
-        <p:xfrm>
-          <a:off x="8826500" y="1917700"/>
-          <a:ext cx="1816100" cy="1816100"/>
-        </p:xfrm>
-        <a:graphic>
-          <a:graphicData uri="http://schemas.openxmlformats.org/drawingml/2006/chart">
-            <c:chart xmlns:c="http://schemas.openxmlformats.org/drawingml/2006/chart" xmlns:r="http://schemas.openxmlformats.org/officeDocument/2006/relationships" r:id="rId4"/>
-          </a:graphicData>
-        </a:graphic>
-      </p:graphicFrame>
-      <p:sp>
-        <p:nvSpPr>
-          <p:cNvPr id="4" name="TextBox 3">
-            <a:extLst>
-              <a:ext uri="{FF2B5EF4-FFF2-40B4-BE49-F238E27FC236}">
-                <a16:creationId xmlns:a16="http://schemas.microsoft.com/office/drawing/2014/main" id="{F82E338A-D215-4588-8CDF-CAB5031589A8}"/>
-              </a:ext>
-            </a:extLst>
-          </p:cNvPr>
-          <p:cNvSpPr txBox="1"/>
-          <p:nvPr/>
-        </p:nvSpPr>
-        <p:spPr>
-          <a:xfrm>
-            <a:off x="914400" y="723900"/>
-            <a:ext cx="10439400" cy="1320800"/>
-          </a:xfrm>
-          <a:prstGeom prst="rect">
-            <a:avLst/>
-          </a:prstGeom>
-          <a:noFill/>
-        </p:spPr>
-        <p:txBody>
-          <a:bodyPr vertOverflow="overflow" vert="horz" wrap="square" rtlCol="0" anchor="t" anchorCtr="0">
-            <a:spAutoFit/>
-          </a:bodyPr>
-          <a:lstStyle/>
-          <a:p>
-            <a:r>
-              <a:rPr lang="en-IN" sz="4800">
-                <a:latin typeface="Poppins"/>
-                <a:cs typeface="Poppins"/>
-              </a:rPr>
-              <a:t>Performance Analysis</a:t>
-            </a:r>
-          </a:p>
-        </p:txBody>
-      </p:sp>
-      <p:sp>
-        <p:nvSpPr>
-          <p:cNvPr id="5" name="TextBox 4">
-            <a:extLst>
-              <a:ext uri="{FF2B5EF4-FFF2-40B4-BE49-F238E27FC236}">
-                <a16:creationId xmlns:a16="http://schemas.microsoft.com/office/drawing/2014/main" id="{8B7EAC1A-2F77-4233-84AC-30BA9DB738BF}"/>
-              </a:ext>
-            </a:extLst>
-          </p:cNvPr>
-          <p:cNvSpPr txBox="1"/>
-          <p:nvPr/>
-        </p:nvSpPr>
-        <p:spPr>
-          <a:xfrm>
-            <a:off x="5664200" y="2590800"/>
-            <a:ext cx="914400" cy="457200"/>
-          </a:xfrm>
-          <a:prstGeom prst="rect">
-            <a:avLst/>
-          </a:prstGeom>
-          <a:noFill/>
-        </p:spPr>
-        <p:txBody>
-          <a:bodyPr vertOverflow="overflow" vert="horz" wrap="square" rtlCol="0" anchor="ctr" anchorCtr="1">
-            <a:spAutoFit/>
-          </a:bodyPr>
-          <a:lstStyle/>
-          <a:p>
-            <a:pPr algn="ctr"/>
-            <a:r>
-              <a:rPr lang="en-IN" sz="2400">
-                <a:latin typeface="Poppins"/>
-                <a:cs typeface="Poppins"/>
-              </a:rPr>
-              <a:t>50%</a:t>
-            </a:r>
-          </a:p>
-        </p:txBody>
-      </p:sp>
-      <p:sp>
-        <p:nvSpPr>
-          <p:cNvPr id="6" name="TextBox 5">
-            <a:extLst>
-              <a:ext uri="{FF2B5EF4-FFF2-40B4-BE49-F238E27FC236}">
-                <a16:creationId xmlns:a16="http://schemas.microsoft.com/office/drawing/2014/main" id="{4489CF99-2DCF-4CCE-8D0C-EDC6CA43F342}"/>
-              </a:ext>
-            </a:extLst>
-          </p:cNvPr>
-          <p:cNvSpPr txBox="1"/>
-          <p:nvPr/>
-        </p:nvSpPr>
-        <p:spPr>
-          <a:xfrm>
-            <a:off x="9271000" y="2590800"/>
-            <a:ext cx="914400" cy="457200"/>
-          </a:xfrm>
-          <a:prstGeom prst="rect">
-            <a:avLst/>
-          </a:prstGeom>
-          <a:noFill/>
-        </p:spPr>
-        <p:txBody>
-          <a:bodyPr vertOverflow="overflow" vert="horz" wrap="square" rtlCol="0" anchor="ctr" anchorCtr="1">
-            <a:spAutoFit/>
-          </a:bodyPr>
-          <a:lstStyle/>
-          <a:p>
-            <a:pPr algn="ctr"/>
-            <a:r>
-              <a:rPr lang="en-IN" sz="2400">
-                <a:latin typeface="Poppins"/>
-                <a:cs typeface="Poppins"/>
-              </a:rPr>
-              <a:t>30%</a:t>
-            </a:r>
-          </a:p>
-        </p:txBody>
-      </p:sp>
-      <p:sp>
-        <p:nvSpPr>
-          <p:cNvPr id="7" name="TextBox 6">
-            <a:extLst>
-              <a:ext uri="{FF2B5EF4-FFF2-40B4-BE49-F238E27FC236}">
-                <a16:creationId xmlns:a16="http://schemas.microsoft.com/office/drawing/2014/main" id="{654A4EEB-A505-4632-8495-BCB38F2AD082}"/>
-              </a:ext>
-            </a:extLst>
-          </p:cNvPr>
-          <p:cNvSpPr txBox="1"/>
-          <p:nvPr/>
-        </p:nvSpPr>
-        <p:spPr>
-          <a:xfrm>
-            <a:off x="4559300" y="3822700"/>
-            <a:ext cx="3060700" cy="736600"/>
-          </a:xfrm>
-          <a:prstGeom prst="rect">
-            <a:avLst/>
-          </a:prstGeom>
-          <a:noFill/>
-        </p:spPr>
-        <p:txBody>
-          <a:bodyPr vertOverflow="overflow" vert="horz" wrap="square" rtlCol="0" anchor="b" anchorCtr="1">
-            <a:spAutoFit/>
-          </a:bodyPr>
-          <a:lstStyle/>
-          <a:p>
-            <a:pPr algn="ctr"/>
-            <a:r>
-              <a:rPr lang="en-IN" sz="2200" b="1"/>
-              <a:t>Backtracking Algorithm Performance</a:t>
-            </a:r>
-          </a:p>
-        </p:txBody>
-      </p:sp>
-      <p:sp>
-        <p:nvSpPr>
-          <p:cNvPr id="8" name="TextBox 7">
-            <a:extLst>
-              <a:ext uri="{FF2B5EF4-FFF2-40B4-BE49-F238E27FC236}">
-                <a16:creationId xmlns:a16="http://schemas.microsoft.com/office/drawing/2014/main" id="{B8AB3E26-6319-4230-95B0-3A5F113BA7EE}"/>
-              </a:ext>
-            </a:extLst>
-          </p:cNvPr>
-          <p:cNvSpPr txBox="1"/>
-          <p:nvPr/>
-        </p:nvSpPr>
-        <p:spPr>
-          <a:xfrm>
-            <a:off x="4559300" y="4610100"/>
-            <a:ext cx="3060700" cy="1320800"/>
-          </a:xfrm>
-          <a:prstGeom prst="rect">
-            <a:avLst/>
-          </a:prstGeom>
-          <a:noFill/>
-        </p:spPr>
-        <p:txBody>
-          <a:bodyPr vertOverflow="overflow" vert="horz" wrap="square" rtlCol="0" anchor="t">
-            <a:spAutoFit/>
-          </a:bodyPr>
-          <a:lstStyle/>
-          <a:p>
-            <a:pPr algn="ctr"/>
-            <a:r>
-              <a:rPr lang="en-US" sz="1600">
-                <a:solidFill>
-                  <a:srgbClr val="595959"/>
-                </a:solidFill>
-                <a:latin typeface="Calibri"/>
-                <a:ea typeface="Calibri"/>
-                <a:cs typeface="Calibri"/>
-              </a:rPr>
-              <a:t>The backtracking algorithm demonstrates a 50% efficiency rate in solving N Queen Problem instances. It excels in finding solutions but may face challenges with larger board sizes.</a:t>
-            </a:r>
-            <a:endParaRPr lang="en-IN" sz="1600">
-              <a:solidFill>
-                <a:srgbClr val="595959"/>
-              </a:solidFill>
-              <a:latin typeface="Calibri"/>
-              <a:ea typeface="Calibri"/>
-              <a:cs typeface="Calibri"/>
-            </a:endParaRPr>
-          </a:p>
-        </p:txBody>
-      </p:sp>
-      <p:sp>
-        <p:nvSpPr>
-          <p:cNvPr id="9" name="TextBox 8">
-            <a:extLst>
-              <a:ext uri="{FF2B5EF4-FFF2-40B4-BE49-F238E27FC236}">
-                <a16:creationId xmlns:a16="http://schemas.microsoft.com/office/drawing/2014/main" id="{044D019F-725D-4E0E-93D9-112067EB7B7D}"/>
-              </a:ext>
-            </a:extLst>
-          </p:cNvPr>
-          <p:cNvSpPr txBox="1"/>
-          <p:nvPr/>
-        </p:nvSpPr>
-        <p:spPr>
-          <a:xfrm>
-            <a:off x="8204200" y="3810000"/>
-            <a:ext cx="3060700" cy="736600"/>
-          </a:xfrm>
-          <a:prstGeom prst="rect">
-            <a:avLst/>
-          </a:prstGeom>
-          <a:noFill/>
-        </p:spPr>
-        <p:txBody>
-          <a:bodyPr vertOverflow="overflow" vert="horz" wrap="square" rtlCol="0" anchor="b" anchorCtr="1">
-            <a:spAutoFit/>
-          </a:bodyPr>
-          <a:lstStyle/>
-          <a:p>
-            <a:pPr algn="ctr"/>
-            <a:r>
-              <a:rPr lang="en-IN" sz="2200" b="1"/>
-              <a:t>Brute Force Algorithm Performance</a:t>
-            </a:r>
-          </a:p>
-        </p:txBody>
-      </p:sp>
-      <p:sp>
-        <p:nvSpPr>
-          <p:cNvPr id="10" name="TextBox 9">
-            <a:extLst>
-              <a:ext uri="{FF2B5EF4-FFF2-40B4-BE49-F238E27FC236}">
-                <a16:creationId xmlns:a16="http://schemas.microsoft.com/office/drawing/2014/main" id="{7C29EAC1-75EC-424D-A096-0AC4FF0644A9}"/>
-              </a:ext>
-            </a:extLst>
-          </p:cNvPr>
-          <p:cNvSpPr txBox="1"/>
-          <p:nvPr/>
-        </p:nvSpPr>
-        <p:spPr>
-          <a:xfrm>
-            <a:off x="8204200" y="4610100"/>
-            <a:ext cx="3060700" cy="1320800"/>
-          </a:xfrm>
-          <a:prstGeom prst="rect">
-            <a:avLst/>
-          </a:prstGeom>
-          <a:noFill/>
-        </p:spPr>
-        <p:txBody>
-          <a:bodyPr vertOverflow="overflow" vert="horz" wrap="square" rtlCol="0" anchor="t">
-            <a:spAutoFit/>
-          </a:bodyPr>
-          <a:lstStyle/>
-          <a:p>
-            <a:pPr algn="ctr"/>
-            <a:r>
-              <a:rPr lang="en-US" sz="1600">
-                <a:solidFill>
-                  <a:srgbClr val="595959"/>
-                </a:solidFill>
-                <a:latin typeface="Calibri"/>
-                <a:ea typeface="Calibri"/>
-                <a:cs typeface="Calibri"/>
-              </a:rPr>
-              <a:t>The brute force algorithm achieves a 30% efficiency rate in solving N Queen Problem instances. While straightforward, it struggles with scalability and complexity.</a:t>
-            </a:r>
-            <a:endParaRPr lang="en-IN" sz="1600">
-              <a:solidFill>
-                <a:srgbClr val="595959"/>
-              </a:solidFill>
-              <a:latin typeface="Calibri"/>
-              <a:ea typeface="Calibri"/>
-              <a:cs typeface="Calibri"/>
-            </a:endParaRPr>
-          </a:p>
-        </p:txBody>
-      </p:sp>
-      <p:sp>
-        <p:nvSpPr>
-          <p:cNvPr id="11" name="Rectangle 10">
-            <a:extLst>
-              <a:ext uri="{FF2B5EF4-FFF2-40B4-BE49-F238E27FC236}">
-                <a16:creationId xmlns:a16="http://schemas.microsoft.com/office/drawing/2014/main" id="{E1751B20-884F-453C-9990-0D885036128B}"/>
-              </a:ext>
-            </a:extLst>
-          </p:cNvPr>
-          <p:cNvSpPr/>
-          <p:nvPr/>
-        </p:nvSpPr>
-        <p:spPr>
-          <a:xfrm>
-            <a:off x="1600200" y="3225800"/>
-            <a:ext cx="2628900" cy="3632200"/>
-          </a:xfrm>
-          <a:prstGeom prst="rect">
-            <a:avLst/>
-          </a:prstGeom>
-          <a:solidFill>
-            <a:srgbClr val="E7E6E6"/>
-          </a:solidFill>
-          <a:ln w="12700" cap="flat" cmpd="sng" algn="ctr">
-            <a:noFill/>
-            <a:prstDash val="solid"/>
-            <a:miter lim="800000"/>
-          </a:ln>
-        </p:spPr>
-        <p:style>
-          <a:lnRef idx="2">
-            <a:schemeClr val="accent1">
-              <a:shade val="15000"/>
-            </a:schemeClr>
-          </a:lnRef>
-          <a:fillRef idx="1">
-            <a:schemeClr val="accent1"/>
-          </a:fillRef>
-          <a:effectRef idx="0">
-            <a:schemeClr val="accent1"/>
-          </a:effectRef>
-          <a:fontRef idx="minor">
-            <a:schemeClr val="lt1"/>
-          </a:fontRef>
-        </p:style>
-        <p:txBody>
-          <a:bodyPr vertOverflow="clip" horzOverflow="clip" rtlCol="0" anchor="t"/>
-          <a:lstStyle/>
-          <a:p>
-            <a:pPr algn="l"/>
-            <a:endParaRPr lang="en-IN"/>
-          </a:p>
-        </p:txBody>
-      </p:sp>
-    </p:spTree>
-  </p:cSld>
-  <p:clrMapOvr>
-    <a:masterClrMapping/>
-  </p:clrMapOvr>
-</p:sld>
-</file>
-
-<file path=ppt/slides/slide6.xml><?xml version="1.0" encoding="utf-8"?>
-<p:sld xmlns:a="http://schemas.openxmlformats.org/drawingml/2006/main" xmlns:r="http://schemas.openxmlformats.org/officeDocument/2006/relationships" xmlns:p="http://schemas.openxmlformats.org/presentationml/2006/main">
-  <p:cSld name="Slide 1">
-    <p:spTree>
-      <p:nvGrpSpPr>
-        <p:cNvPr id="1" name=""/>
-        <p:cNvGrpSpPr/>
-        <p:nvPr/>
-      </p:nvGrpSpPr>
-      <p:grpSpPr>
-        <a:xfrm>
-          <a:off x="0" y="0"/>
-          <a:ext cx="0" cy="0"/>
-          <a:chOff x="0" y="0"/>
-          <a:chExt cx="0" cy="0"/>
-        </a:xfrm>
-      </p:grpSpPr>
-      <p:graphicFrame>
-        <p:nvGraphicFramePr>
           <p:cNvPr id="2" name="Table 0"/>
           <p:cNvGraphicFramePr>
             <a:graphicFrameLocks noGrp="1"/>
           </p:cNvGraphicFramePr>
-          <p:nvPr/>
+          <p:nvPr>
+            <p:extLst>
+              <p:ext uri="{D42A27DB-BD31-4B8C-83A1-F6EECF244321}">
+                <p14:modId xmlns:p14="http://schemas.microsoft.com/office/powerpoint/2010/main" val="1875994933"/>
+              </p:ext>
+            </p:extLst>
+          </p:nvPr>
         </p:nvGraphicFramePr>
         <p:xfrm>
-          <a:off x="853440" y="2438400"/>
-          <a:ext cx="10363200" cy="2621280"/>
+          <a:off x="533400" y="2285999"/>
+          <a:ext cx="11125200" cy="3535675"/>
         </p:xfrm>
         <a:graphic>
           <a:graphicData uri="http://schemas.openxmlformats.org/drawingml/2006/table">
             <a:tbl>
               <a:tblPr/>
               <a:tblGrid>
-                <a:gridCol w="5181600">
+                <a:gridCol w="5562600">
                   <a:extLst>
                     <a:ext uri="{9D8B030D-6E8A-4147-A177-3AD203B41FA5}">
                       <a16:colId xmlns:a16="http://schemas.microsoft.com/office/drawing/2014/main" val="20000"/>
                     </a:ext>
                   </a:extLst>
                 </a:gridCol>
-                <a:gridCol w="5181600">
+                <a:gridCol w="5562600">
                   <a:extLst>
                     <a:ext uri="{9D8B030D-6E8A-4147-A177-3AD203B41FA5}">
                       <a16:colId xmlns:a16="http://schemas.microsoft.com/office/drawing/2014/main" val="20001"/>
@@ -11426,7 +10698,7 @@
                   </a:extLst>
                 </a:gridCol>
               </a:tblGrid>
-              <a:tr h="524256">
+              <a:tr h="707135">
                 <a:tc>
                   <a:txBody>
                     <a:bodyPr/>
@@ -11569,7 +10841,7 @@
                   </a:ext>
                 </a:extLst>
               </a:tr>
-              <a:tr h="524256">
+              <a:tr h="707135">
                 <a:tc>
                   <a:txBody>
                     <a:bodyPr/>
@@ -11712,7 +10984,7 @@
                   </a:ext>
                 </a:extLst>
               </a:tr>
-              <a:tr h="524256">
+              <a:tr h="707135">
                 <a:tc>
                   <a:txBody>
                     <a:bodyPr/>
@@ -11855,7 +11127,7 @@
                   </a:ext>
                 </a:extLst>
               </a:tr>
-              <a:tr h="524256">
+              <a:tr h="707135">
                 <a:tc>
                   <a:txBody>
                     <a:bodyPr/>
@@ -11998,7 +11270,7 @@
                   </a:ext>
                 </a:extLst>
               </a:tr>
-              <a:tr h="524256">
+              <a:tr h="707135">
                 <a:tc>
                   <a:txBody>
                     <a:bodyPr/>
@@ -12257,20 +11529,16 @@
             </a:lvl9pPr>
           </a:lstStyle>
           <a:p>
-            <a:pPr marL="0" indent="0">
+            <a:pPr marL="0" indent="0" algn="ctr">
               <a:buNone/>
             </a:pPr>
             <a:r>
-              <a:rPr lang="en-US" sz="4800">
+              <a:rPr lang="en-US" sz="4800" dirty="0">
                 <a:latin typeface="Poppins"/>
                 <a:cs typeface="Poppins"/>
               </a:rPr>
               <a:t>Implementation Details</a:t>
             </a:r>
-            <a:endParaRPr lang="en-US" sz="4800" dirty="0">
-              <a:latin typeface="Poppins"/>
-              <a:cs typeface="Poppins"/>
-            </a:endParaRPr>
           </a:p>
         </p:txBody>
       </p:sp>
@@ -12431,6 +11699,112 @@
 </p:sld>
 </file>
 
+<file path=ppt/slides/slide6.xml><?xml version="1.0" encoding="utf-8"?>
+<p:sld xmlns:a="http://schemas.openxmlformats.org/drawingml/2006/main" xmlns:r="http://schemas.openxmlformats.org/officeDocument/2006/relationships" xmlns:p="http://schemas.openxmlformats.org/presentationml/2006/main">
+  <p:cSld>
+    <p:spTree>
+      <p:nvGrpSpPr>
+        <p:cNvPr id="1" name=""/>
+        <p:cNvGrpSpPr/>
+        <p:nvPr/>
+      </p:nvGrpSpPr>
+      <p:grpSpPr>
+        <a:xfrm>
+          <a:off x="0" y="0"/>
+          <a:ext cx="0" cy="0"/>
+          <a:chOff x="0" y="0"/>
+          <a:chExt cx="0" cy="0"/>
+        </a:xfrm>
+      </p:grpSpPr>
+      <p:sp>
+        <p:nvSpPr>
+          <p:cNvPr id="2" name="Title 1">
+            <a:extLst>
+              <a:ext uri="{FF2B5EF4-FFF2-40B4-BE49-F238E27FC236}">
+                <a16:creationId xmlns:a16="http://schemas.microsoft.com/office/drawing/2014/main" id="{9AA8AA30-3A40-CD58-E868-DB8A59EF882C}"/>
+              </a:ext>
+            </a:extLst>
+          </p:cNvPr>
+          <p:cNvSpPr>
+            <a:spLocks noGrp="1"/>
+          </p:cNvSpPr>
+          <p:nvPr>
+            <p:ph type="title"/>
+          </p:nvPr>
+        </p:nvSpPr>
+        <p:spPr>
+          <a:xfrm>
+            <a:off x="0" y="1572768"/>
+            <a:ext cx="6096000" cy="1325563"/>
+          </a:xfrm>
+        </p:spPr>
+        <p:txBody>
+          <a:bodyPr/>
+          <a:lstStyle/>
+          <a:p>
+            <a:pPr algn="ctr"/>
+            <a:r>
+              <a:rPr lang="en-IN" dirty="0"/>
+              <a:t>Conclusion</a:t>
+            </a:r>
+          </a:p>
+        </p:txBody>
+      </p:sp>
+      <p:sp>
+        <p:nvSpPr>
+          <p:cNvPr id="6" name="Text Placeholder 5">
+            <a:extLst>
+              <a:ext uri="{FF2B5EF4-FFF2-40B4-BE49-F238E27FC236}">
+                <a16:creationId xmlns:a16="http://schemas.microsoft.com/office/drawing/2014/main" id="{993F9D33-4DA4-6B72-791A-86C0BBEFDE95}"/>
+              </a:ext>
+            </a:extLst>
+          </p:cNvPr>
+          <p:cNvSpPr>
+            <a:spLocks noGrp="1"/>
+          </p:cNvSpPr>
+          <p:nvPr>
+            <p:ph type="body" sz="quarter" idx="16"/>
+          </p:nvPr>
+        </p:nvSpPr>
+        <p:spPr>
+          <a:xfrm>
+            <a:off x="545592" y="3630168"/>
+            <a:ext cx="5004816" cy="1655064"/>
+          </a:xfrm>
+        </p:spPr>
+        <p:txBody>
+          <a:bodyPr/>
+          <a:lstStyle/>
+          <a:p>
+            <a:pPr algn="ctr"/>
+            <a:r>
+              <a:rPr lang="en-US" sz="1800" dirty="0"/>
+              <a:t>Sharing the N Queen visualizer and its source code can benefit students, developers, and enthusiasts in learning and experimenting with algorithmic challenges. </a:t>
+            </a:r>
+          </a:p>
+          <a:p>
+            <a:pPr algn="ctr"/>
+            <a:r>
+              <a:rPr lang="en-US" sz="1800" dirty="0"/>
+              <a:t>Building a supportive community can drive innovation and collaboration.</a:t>
+            </a:r>
+            <a:endParaRPr lang="en-IN" sz="1800" dirty="0"/>
+          </a:p>
+        </p:txBody>
+      </p:sp>
+    </p:spTree>
+    <p:extLst>
+      <p:ext uri="{BB962C8B-B14F-4D97-AF65-F5344CB8AC3E}">
+        <p14:creationId xmlns:p14="http://schemas.microsoft.com/office/powerpoint/2010/main" val="124362686"/>
+      </p:ext>
+    </p:extLst>
+  </p:cSld>
+  <p:clrMapOvr>
+    <a:masterClrMapping/>
+  </p:clrMapOvr>
+</p:sld>
+</file>
+
 <file path=ppt/slides/slide7.xml><?xml version="1.0" encoding="utf-8"?>
 <p:sld xmlns:a="http://schemas.openxmlformats.org/drawingml/2006/main" xmlns:r="http://schemas.openxmlformats.org/officeDocument/2006/relationships" xmlns:p="http://schemas.openxmlformats.org/presentationml/2006/main">
   <p:cSld>
@@ -12453,7 +11827,7 @@
           <p:cNvPr id="2" name="Title 1">
             <a:extLst>
               <a:ext uri="{FF2B5EF4-FFF2-40B4-BE49-F238E27FC236}">
-                <a16:creationId xmlns:a16="http://schemas.microsoft.com/office/drawing/2014/main" id="{9AA8AA30-3A40-CD58-E868-DB8A59EF882C}"/>
+                <a16:creationId xmlns:a16="http://schemas.microsoft.com/office/drawing/2014/main" id="{1C1B8AB7-7835-8C42-8ACB-02AE36E26050}"/>
               </a:ext>
             </a:extLst>
           </p:cNvPr>
@@ -12464,84 +11838,28 @@
             <p:ph type="title"/>
           </p:nvPr>
         </p:nvSpPr>
-        <p:spPr/>
+        <p:spPr>
+          <a:xfrm>
+            <a:off x="0" y="2872386"/>
+            <a:ext cx="6096000" cy="1325563"/>
+          </a:xfrm>
+        </p:spPr>
         <p:txBody>
           <a:bodyPr/>
           <a:lstStyle/>
           <a:p>
-            <a:r>
-              <a:rPr lang="en-IN"/>
-              <a:t>Conclusion and Further Enhancements</a:t>
-            </a:r>
-          </a:p>
-        </p:txBody>
-      </p:sp>
-      <p:sp>
-        <p:nvSpPr>
-          <p:cNvPr id="3" name="Text Placeholder 2">
-            <a:extLst>
-              <a:ext uri="{FF2B5EF4-FFF2-40B4-BE49-F238E27FC236}">
-                <a16:creationId xmlns:a16="http://schemas.microsoft.com/office/drawing/2014/main" id="{6D7C1A2C-9497-228B-7FAD-1FE95C5CC8FE}"/>
-              </a:ext>
-            </a:extLst>
-          </p:cNvPr>
-          <p:cNvSpPr>
-            <a:spLocks noGrp="1"/>
-          </p:cNvSpPr>
-          <p:nvPr>
-            <p:ph type="body" sz="quarter" idx="13"/>
-          </p:nvPr>
-        </p:nvSpPr>
-        <p:spPr/>
-        <p:txBody>
-          <a:bodyPr/>
-          <a:lstStyle/>
-          <a:p>
-            <a:r>
-              <a:rPr lang="en-IN" sz="2400" dirty="0"/>
-              <a:t>Community Impact</a:t>
-            </a:r>
-          </a:p>
-        </p:txBody>
-      </p:sp>
-      <p:sp>
-        <p:nvSpPr>
-          <p:cNvPr id="6" name="Text Placeholder 5">
-            <a:extLst>
-              <a:ext uri="{FF2B5EF4-FFF2-40B4-BE49-F238E27FC236}">
-                <a16:creationId xmlns:a16="http://schemas.microsoft.com/office/drawing/2014/main" id="{993F9D33-4DA4-6B72-791A-86C0BBEFDE95}"/>
-              </a:ext>
-            </a:extLst>
-          </p:cNvPr>
-          <p:cNvSpPr>
-            <a:spLocks noGrp="1"/>
-          </p:cNvSpPr>
-          <p:nvPr>
-            <p:ph type="body" sz="quarter" idx="16"/>
-          </p:nvPr>
-        </p:nvSpPr>
-        <p:spPr>
-          <a:xfrm>
-            <a:off x="1066800" y="3886200"/>
-            <a:ext cx="3331580" cy="2057400"/>
-          </a:xfrm>
-        </p:spPr>
-        <p:txBody>
-          <a:bodyPr/>
-          <a:lstStyle/>
-          <a:p>
-            <a:r>
-              <a:rPr lang="en-US" sz="1800" dirty="0"/>
-              <a:t>Sharing the N Queen visualizer and its source code can benefit students, developers, and enthusiasts in learning and experimenting with algorithmic challenges. Building a supportive community can drive innovation and collaboration.</a:t>
-            </a:r>
-            <a:endParaRPr lang="en-IN" sz="1800" dirty="0"/>
+            <a:pPr algn="ctr"/>
+            <a:r>
+              <a:rPr lang="en-IN" sz="5400" dirty="0"/>
+              <a:t>THANKYOU</a:t>
+            </a:r>
           </a:p>
         </p:txBody>
       </p:sp>
     </p:spTree>
     <p:extLst>
       <p:ext uri="{BB962C8B-B14F-4D97-AF65-F5344CB8AC3E}">
-        <p14:creationId xmlns:p14="http://schemas.microsoft.com/office/powerpoint/2010/main" val="124362686"/>
+        <p14:creationId xmlns:p14="http://schemas.microsoft.com/office/powerpoint/2010/main" val="1283431380"/>
       </p:ext>
     </p:extLst>
   </p:cSld>
